--- a/Poster.pptx
+++ b/Poster.pptx
@@ -3776,392 +3776,6 @@
           <a:chExt cx="0" cy="0"/>
         </a:xfrm>
       </p:grpSpPr>
-      <p:pic>
-        <p:nvPicPr>
-          <p:cNvPr id="21" name="Picture 20" descr="Music line.tiff"/>
-          <p:cNvPicPr>
-            <a:picLocks noChangeAspect="1"/>
-          </p:cNvPicPr>
-          <p:nvPr/>
-        </p:nvPicPr>
-        <p:blipFill>
-          <a:blip r:embed="rId2"/>
-          <a:stretch>
-            <a:fillRect/>
-          </a:stretch>
-        </p:blipFill>
-        <p:spPr>
-          <a:xfrm>
-            <a:off x="609600" y="96323"/>
-            <a:ext cx="47929800" cy="6914077"/>
-          </a:xfrm>
-          <a:prstGeom prst="rect">
-            <a:avLst/>
-          </a:prstGeom>
-        </p:spPr>
-      </p:pic>
-      <p:sp>
-        <p:nvSpPr>
-          <p:cNvPr id="2061" name="Rectangle 13"/>
-          <p:cNvSpPr>
-            <a:spLocks noGrp="1" noChangeArrowheads="1"/>
-          </p:cNvSpPr>
-          <p:nvPr>
-            <p:ph type="title"/>
-          </p:nvPr>
-        </p:nvSpPr>
-        <p:spPr>
-          <a:xfrm>
-            <a:off x="2468563" y="990600"/>
-            <a:ext cx="44440475" cy="4419600"/>
-          </a:xfrm>
-          <a:noFill/>
-        </p:spPr>
-        <p:txBody>
-          <a:bodyPr/>
-          <a:lstStyle/>
-          <a:p>
-            <a:pPr eaLnBrk="1" hangingPunct="1">
-              <a:defRPr/>
-            </a:pPr>
-            <a:r>
-              <a:rPr lang="en-US" sz="14500" b="1" dirty="0" smtClean="0">
-                <a:ln w="31750" cmpd="sng">
-                  <a:solidFill>
-                    <a:schemeClr val="tx1"/>
-                  </a:solidFill>
-                </a:ln>
-                <a:solidFill>
-                  <a:schemeClr val="bg1"/>
-                </a:solidFill>
-                <a:effectLst>
-                  <a:outerShdw blurRad="190500" dist="38100" dir="2700000">
-                    <a:srgbClr val="000000">
-                      <a:alpha val="43000"/>
-                    </a:srgbClr>
-                  </a:outerShdw>
-                </a:effectLst>
-              </a:rPr>
-              <a:t>Genre Classification</a:t>
-            </a:r>
-            <a:r>
-              <a:rPr lang="en-US" sz="6000" dirty="0" smtClean="0">
-                <a:ln w="31750" cmpd="sng">
-                  <a:solidFill>
-                    <a:schemeClr val="tx1"/>
-                  </a:solidFill>
-                </a:ln>
-                <a:solidFill>
-                  <a:schemeClr val="bg1"/>
-                </a:solidFill>
-                <a:effectLst>
-                  <a:outerShdw blurRad="190500" dist="38100" dir="2700000">
-                    <a:srgbClr val="000000">
-                      <a:alpha val="43000"/>
-                    </a:srgbClr>
-                  </a:outerShdw>
-                </a:effectLst>
-              </a:rPr>
-              <a:t/>
-            </a:r>
-            <a:br>
-              <a:rPr lang="en-US" sz="6000" dirty="0" smtClean="0">
-                <a:ln w="31750" cmpd="sng">
-                  <a:solidFill>
-                    <a:schemeClr val="tx1"/>
-                  </a:solidFill>
-                </a:ln>
-                <a:solidFill>
-                  <a:schemeClr val="bg1"/>
-                </a:solidFill>
-                <a:effectLst>
-                  <a:outerShdw blurRad="190500" dist="38100" dir="2700000">
-                    <a:srgbClr val="000000">
-                      <a:alpha val="43000"/>
-                    </a:srgbClr>
-                  </a:outerShdw>
-                </a:effectLst>
-              </a:rPr>
-            </a:br>
-            <a:r>
-              <a:rPr lang="en-US" sz="6600" i="1" dirty="0" err="1" smtClean="0">
-                <a:ln w="9525" cmpd="sng">
-                  <a:solidFill>
-                    <a:schemeClr val="tx1"/>
-                  </a:solidFill>
-                </a:ln>
-                <a:solidFill>
-                  <a:schemeClr val="bg1"/>
-                </a:solidFill>
-                <a:effectLst>
-                  <a:outerShdw blurRad="50800" dist="38100" dir="2700000">
-                    <a:srgbClr val="000000">
-                      <a:alpha val="43000"/>
-                    </a:srgbClr>
-                  </a:outerShdw>
-                </a:effectLst>
-              </a:rPr>
-              <a:t>Gellner</a:t>
-            </a:r>
-            <a:r>
-              <a:rPr lang="en-US" sz="6600" i="1" dirty="0" smtClean="0">
-                <a:ln w="9525" cmpd="sng">
-                  <a:solidFill>
-                    <a:schemeClr val="tx1"/>
-                  </a:solidFill>
-                </a:ln>
-                <a:solidFill>
-                  <a:schemeClr val="bg1"/>
-                </a:solidFill>
-                <a:effectLst>
-                  <a:outerShdw blurRad="50800" dist="38100" dir="2700000">
-                    <a:srgbClr val="000000">
-                      <a:alpha val="43000"/>
-                    </a:srgbClr>
-                  </a:outerShdw>
-                </a:effectLst>
-              </a:rPr>
-              <a:t> M., </a:t>
-            </a:r>
-            <a:r>
-              <a:rPr lang="en-US" sz="6600" i="1" dirty="0" smtClean="0">
-                <a:ln w="9525" cmpd="sng">
-                  <a:solidFill>
-                    <a:schemeClr val="tx1"/>
-                  </a:solidFill>
-                </a:ln>
-                <a:solidFill>
-                  <a:schemeClr val="bg1"/>
-                </a:solidFill>
-                <a:effectLst>
-                  <a:outerShdw blurRad="50800" dist="38100" dir="2700000">
-                    <a:srgbClr val="000000">
-                      <a:alpha val="43000"/>
-                    </a:srgbClr>
-                  </a:outerShdw>
-                </a:effectLst>
-              </a:rPr>
-              <a:t>Potter C</a:t>
-            </a:r>
-            <a:r>
-              <a:rPr lang="en-US" sz="6600" i="1" dirty="0" smtClean="0">
-                <a:ln w="9525" cmpd="sng">
-                  <a:solidFill>
-                    <a:schemeClr val="tx1"/>
-                  </a:solidFill>
-                </a:ln>
-                <a:solidFill>
-                  <a:schemeClr val="bg1"/>
-                </a:solidFill>
-                <a:effectLst>
-                  <a:outerShdw blurRad="50800" dist="38100" dir="2700000">
-                    <a:srgbClr val="000000">
-                      <a:alpha val="43000"/>
-                    </a:srgbClr>
-                  </a:outerShdw>
-                </a:effectLst>
-              </a:rPr>
-              <a:t>.   </a:t>
-            </a:r>
-            <a:r>
-              <a:rPr lang="en-US" sz="6600" i="1" dirty="0" smtClean="0">
-                <a:ln w="9525" cmpd="sng">
-                  <a:solidFill>
-                    <a:schemeClr val="tx1"/>
-                  </a:solidFill>
-                </a:ln>
-                <a:solidFill>
-                  <a:schemeClr val="bg1"/>
-                </a:solidFill>
-                <a:effectLst>
-                  <a:outerShdw blurRad="50800" dist="38100" dir="2700000">
-                    <a:srgbClr val="000000">
-                      <a:alpha val="43000"/>
-                    </a:srgbClr>
-                  </a:outerShdw>
-                </a:effectLst>
-              </a:rPr>
-              <a:t>Jacobson J., </a:t>
-            </a:r>
-            <a:r>
-              <a:rPr lang="en-US" sz="6600" i="1" dirty="0" err="1" smtClean="0">
-                <a:ln w="9525" cmpd="sng">
-                  <a:solidFill>
-                    <a:schemeClr val="tx1"/>
-                  </a:solidFill>
-                </a:ln>
-                <a:solidFill>
-                  <a:schemeClr val="bg1"/>
-                </a:solidFill>
-                <a:effectLst>
-                  <a:outerShdw blurRad="50800" dist="38100" dir="2700000">
-                    <a:srgbClr val="000000">
-                      <a:alpha val="43000"/>
-                    </a:srgbClr>
-                  </a:outerShdw>
-                </a:effectLst>
-              </a:rPr>
-              <a:t>Toizer</a:t>
-            </a:r>
-            <a:r>
-              <a:rPr lang="en-US" sz="6600" i="1" dirty="0" smtClean="0">
-                <a:ln w="9525" cmpd="sng">
-                  <a:solidFill>
-                    <a:schemeClr val="tx1"/>
-                  </a:solidFill>
-                </a:ln>
-                <a:solidFill>
-                  <a:schemeClr val="bg1"/>
-                </a:solidFill>
-                <a:effectLst>
-                  <a:outerShdw blurRad="50800" dist="38100" dir="2700000">
-                    <a:srgbClr val="000000">
-                      <a:alpha val="43000"/>
-                    </a:srgbClr>
-                  </a:outerShdw>
-                </a:effectLst>
-              </a:rPr>
-              <a:t> S.</a:t>
-            </a:r>
-            <a:r>
-              <a:rPr lang="en-US" sz="6600" i="1" dirty="0" smtClean="0">
-                <a:ln w="9525" cmpd="sng">
-                  <a:solidFill>
-                    <a:schemeClr val="tx1"/>
-                  </a:solidFill>
-                </a:ln>
-                <a:solidFill>
-                  <a:schemeClr val="bg1"/>
-                </a:solidFill>
-                <a:effectLst>
-                  <a:outerShdw blurRad="50800" dist="38100" dir="2700000">
-                    <a:srgbClr val="000000">
-                      <a:alpha val="43000"/>
-                    </a:srgbClr>
-                  </a:outerShdw>
-                </a:effectLst>
-              </a:rPr>
-              <a:t/>
-            </a:r>
-            <a:br>
-              <a:rPr lang="en-US" sz="6600" i="1" dirty="0" smtClean="0">
-                <a:ln w="9525" cmpd="sng">
-                  <a:solidFill>
-                    <a:schemeClr val="tx1"/>
-                  </a:solidFill>
-                </a:ln>
-                <a:solidFill>
-                  <a:schemeClr val="bg1"/>
-                </a:solidFill>
-                <a:effectLst>
-                  <a:outerShdw blurRad="50800" dist="38100" dir="2700000">
-                    <a:srgbClr val="000000">
-                      <a:alpha val="43000"/>
-                    </a:srgbClr>
-                  </a:outerShdw>
-                </a:effectLst>
-              </a:rPr>
-            </a:br>
-            <a:r>
-              <a:rPr lang="en-US" sz="6600" i="1" dirty="0" smtClean="0">
-                <a:ln w="9525" cmpd="sng">
-                  <a:solidFill>
-                    <a:schemeClr val="tx1"/>
-                  </a:solidFill>
-                </a:ln>
-                <a:solidFill>
-                  <a:schemeClr val="bg1"/>
-                </a:solidFill>
-                <a:effectLst>
-                  <a:outerShdw blurRad="50800" dist="38100" dir="2700000">
-                    <a:srgbClr val="000000">
-                      <a:alpha val="43000"/>
-                    </a:srgbClr>
-                  </a:outerShdw>
-                </a:effectLst>
-              </a:rPr>
-              <a:t>EECS 349, </a:t>
-            </a:r>
-            <a:r>
-              <a:rPr lang="en-US" sz="6600" i="1" dirty="0" err="1" smtClean="0">
-                <a:ln w="9525" cmpd="sng">
-                  <a:solidFill>
-                    <a:schemeClr val="tx1"/>
-                  </a:solidFill>
-                </a:ln>
-                <a:solidFill>
-                  <a:schemeClr val="bg1"/>
-                </a:solidFill>
-                <a:effectLst>
-                  <a:outerShdw blurRad="50800" dist="38100" dir="2700000">
-                    <a:srgbClr val="000000">
-                      <a:alpha val="43000"/>
-                    </a:srgbClr>
-                  </a:outerShdw>
-                </a:effectLst>
-              </a:rPr>
-              <a:t>Pardo</a:t>
-            </a:r>
-            <a:r>
-              <a:rPr lang="en-US" sz="6600" i="1" dirty="0" smtClean="0">
-                <a:ln w="9525" cmpd="sng">
-                  <a:solidFill>
-                    <a:schemeClr val="tx1"/>
-                  </a:solidFill>
-                </a:ln>
-                <a:solidFill>
-                  <a:schemeClr val="bg1"/>
-                </a:solidFill>
-                <a:effectLst>
-                  <a:outerShdw blurRad="50800" dist="38100" dir="2700000">
-                    <a:srgbClr val="000000">
-                      <a:alpha val="43000"/>
-                    </a:srgbClr>
-                  </a:outerShdw>
-                </a:effectLst>
-              </a:rPr>
-              <a:t>, B., </a:t>
-            </a:r>
-            <a:r>
-              <a:rPr lang="en-US" sz="6600" i="1" dirty="0" smtClean="0">
-                <a:ln w="9525" cmpd="sng">
-                  <a:solidFill>
-                    <a:schemeClr val="tx1"/>
-                  </a:solidFill>
-                </a:ln>
-                <a:solidFill>
-                  <a:schemeClr val="bg1"/>
-                </a:solidFill>
-                <a:effectLst>
-                  <a:outerShdw blurRad="50800" dist="38100" dir="2700000">
-                    <a:srgbClr val="000000">
-                      <a:alpha val="43000"/>
-                    </a:srgbClr>
-                  </a:outerShdw>
-                </a:effectLst>
-              </a:rPr>
-              <a:t>Northwestern University</a:t>
-            </a:r>
-            <a:endParaRPr lang="en-US" sz="6600" i="1" dirty="0" smtClean="0">
-              <a:ln w="9525" cmpd="sng">
-                <a:solidFill>
-                  <a:schemeClr val="tx1"/>
-                </a:solidFill>
-              </a:ln>
-              <a:solidFill>
-                <a:schemeClr val="bg1"/>
-              </a:solidFill>
-              <a:effectLst>
-                <a:outerShdw blurRad="50800" dist="38100" dir="2700000">
-                  <a:srgbClr val="000000">
-                    <a:alpha val="43000"/>
-                  </a:srgbClr>
-                </a:outerShdw>
-              </a:effectLst>
-            </a:endParaRPr>
-          </a:p>
-        </p:txBody>
-      </p:sp>
       <p:sp>
         <p:nvSpPr>
           <p:cNvPr id="2065" name="Rectangle 17"/>
@@ -4172,7 +3786,7 @@
         </p:nvSpPr>
         <p:spPr bwMode="auto">
           <a:xfrm>
-            <a:off x="549275" y="7467600"/>
+            <a:off x="549275" y="5867400"/>
             <a:ext cx="15630525" cy="1371600"/>
           </a:xfrm>
           <a:prstGeom prst="rect">
@@ -4218,6 +3832,372 @@
           </a:p>
         </p:txBody>
       </p:sp>
+      <p:pic>
+        <p:nvPicPr>
+          <p:cNvPr id="21" name="Picture 20" descr="Music line.tiff"/>
+          <p:cNvPicPr>
+            <a:picLocks noChangeAspect="1"/>
+          </p:cNvPicPr>
+          <p:nvPr/>
+        </p:nvPicPr>
+        <p:blipFill>
+          <a:blip r:embed="rId2"/>
+          <a:stretch>
+            <a:fillRect/>
+          </a:stretch>
+        </p:blipFill>
+        <p:spPr>
+          <a:xfrm>
+            <a:off x="609600" y="96323"/>
+            <a:ext cx="47929800" cy="6914077"/>
+          </a:xfrm>
+          <a:prstGeom prst="rect">
+            <a:avLst/>
+          </a:prstGeom>
+        </p:spPr>
+      </p:pic>
+      <p:sp>
+        <p:nvSpPr>
+          <p:cNvPr id="2061" name="Rectangle 13"/>
+          <p:cNvSpPr>
+            <a:spLocks noGrp="1" noChangeArrowheads="1"/>
+          </p:cNvSpPr>
+          <p:nvPr>
+            <p:ph type="title"/>
+          </p:nvPr>
+        </p:nvSpPr>
+        <p:spPr>
+          <a:xfrm>
+            <a:off x="2468563" y="990600"/>
+            <a:ext cx="44440475" cy="4419600"/>
+          </a:xfrm>
+          <a:noFill/>
+        </p:spPr>
+        <p:txBody>
+          <a:bodyPr/>
+          <a:lstStyle/>
+          <a:p>
+            <a:pPr eaLnBrk="1" hangingPunct="1">
+              <a:defRPr/>
+            </a:pPr>
+            <a:r>
+              <a:rPr lang="en-US" sz="14500" b="1" dirty="0" smtClean="0">
+                <a:ln w="31750" cmpd="sng">
+                  <a:solidFill>
+                    <a:schemeClr val="tx1"/>
+                  </a:solidFill>
+                </a:ln>
+                <a:solidFill>
+                  <a:schemeClr val="bg1"/>
+                </a:solidFill>
+                <a:effectLst>
+                  <a:outerShdw blurRad="190500" dist="38100" dir="2700000">
+                    <a:srgbClr val="000000">
+                      <a:alpha val="43000"/>
+                    </a:srgbClr>
+                  </a:outerShdw>
+                </a:effectLst>
+              </a:rPr>
+              <a:t>Genre Classification</a:t>
+            </a:r>
+            <a:r>
+              <a:rPr lang="en-US" sz="6000" dirty="0" smtClean="0">
+                <a:ln w="31750" cmpd="sng">
+                  <a:solidFill>
+                    <a:schemeClr val="tx1"/>
+                  </a:solidFill>
+                </a:ln>
+                <a:solidFill>
+                  <a:schemeClr val="bg1"/>
+                </a:solidFill>
+                <a:effectLst>
+                  <a:outerShdw blurRad="190500" dist="38100" dir="2700000">
+                    <a:srgbClr val="000000">
+                      <a:alpha val="43000"/>
+                    </a:srgbClr>
+                  </a:outerShdw>
+                </a:effectLst>
+              </a:rPr>
+              <a:t/>
+            </a:r>
+            <a:br>
+              <a:rPr lang="en-US" sz="6000" dirty="0" smtClean="0">
+                <a:ln w="31750" cmpd="sng">
+                  <a:solidFill>
+                    <a:schemeClr val="tx1"/>
+                  </a:solidFill>
+                </a:ln>
+                <a:solidFill>
+                  <a:schemeClr val="bg1"/>
+                </a:solidFill>
+                <a:effectLst>
+                  <a:outerShdw blurRad="190500" dist="38100" dir="2700000">
+                    <a:srgbClr val="000000">
+                      <a:alpha val="43000"/>
+                    </a:srgbClr>
+                  </a:outerShdw>
+                </a:effectLst>
+              </a:rPr>
+            </a:br>
+            <a:r>
+              <a:rPr lang="en-US" sz="6600" i="1" dirty="0" err="1" smtClean="0">
+                <a:ln w="9525" cmpd="sng">
+                  <a:solidFill>
+                    <a:schemeClr val="tx1"/>
+                  </a:solidFill>
+                </a:ln>
+                <a:solidFill>
+                  <a:schemeClr val="bg1"/>
+                </a:solidFill>
+                <a:effectLst>
+                  <a:outerShdw blurRad="50800" dist="38100" dir="2700000">
+                    <a:srgbClr val="000000">
+                      <a:alpha val="43000"/>
+                    </a:srgbClr>
+                  </a:outerShdw>
+                </a:effectLst>
+              </a:rPr>
+              <a:t>Gellner</a:t>
+            </a:r>
+            <a:r>
+              <a:rPr lang="en-US" sz="6600" i="1" dirty="0" smtClean="0">
+                <a:ln w="9525" cmpd="sng">
+                  <a:solidFill>
+                    <a:schemeClr val="tx1"/>
+                  </a:solidFill>
+                </a:ln>
+                <a:solidFill>
+                  <a:schemeClr val="bg1"/>
+                </a:solidFill>
+                <a:effectLst>
+                  <a:outerShdw blurRad="50800" dist="38100" dir="2700000">
+                    <a:srgbClr val="000000">
+                      <a:alpha val="43000"/>
+                    </a:srgbClr>
+                  </a:outerShdw>
+                </a:effectLst>
+              </a:rPr>
+              <a:t> M., </a:t>
+            </a:r>
+            <a:r>
+              <a:rPr lang="en-US" sz="6600" i="1" dirty="0" smtClean="0">
+                <a:ln w="9525" cmpd="sng">
+                  <a:solidFill>
+                    <a:schemeClr val="tx1"/>
+                  </a:solidFill>
+                </a:ln>
+                <a:solidFill>
+                  <a:schemeClr val="bg1"/>
+                </a:solidFill>
+                <a:effectLst>
+                  <a:outerShdw blurRad="50800" dist="38100" dir="2700000">
+                    <a:srgbClr val="000000">
+                      <a:alpha val="43000"/>
+                    </a:srgbClr>
+                  </a:outerShdw>
+                </a:effectLst>
+              </a:rPr>
+              <a:t>Potter C</a:t>
+            </a:r>
+            <a:r>
+              <a:rPr lang="en-US" sz="6600" i="1" dirty="0" smtClean="0">
+                <a:ln w="9525" cmpd="sng">
+                  <a:solidFill>
+                    <a:schemeClr val="tx1"/>
+                  </a:solidFill>
+                </a:ln>
+                <a:solidFill>
+                  <a:schemeClr val="bg1"/>
+                </a:solidFill>
+                <a:effectLst>
+                  <a:outerShdw blurRad="50800" dist="38100" dir="2700000">
+                    <a:srgbClr val="000000">
+                      <a:alpha val="43000"/>
+                    </a:srgbClr>
+                  </a:outerShdw>
+                </a:effectLst>
+              </a:rPr>
+              <a:t>.,   Jacobson J., </a:t>
+            </a:r>
+            <a:r>
+              <a:rPr lang="en-US" sz="6600" i="1" dirty="0" err="1" smtClean="0">
+                <a:ln w="9525" cmpd="sng">
+                  <a:solidFill>
+                    <a:schemeClr val="tx1"/>
+                  </a:solidFill>
+                </a:ln>
+                <a:solidFill>
+                  <a:schemeClr val="bg1"/>
+                </a:solidFill>
+                <a:effectLst>
+                  <a:outerShdw blurRad="50800" dist="38100" dir="2700000">
+                    <a:srgbClr val="000000">
+                      <a:alpha val="43000"/>
+                    </a:srgbClr>
+                  </a:outerShdw>
+                </a:effectLst>
+              </a:rPr>
+              <a:t>Toizer</a:t>
+            </a:r>
+            <a:r>
+              <a:rPr lang="en-US" sz="6600" i="1" dirty="0" smtClean="0">
+                <a:ln w="9525" cmpd="sng">
+                  <a:solidFill>
+                    <a:schemeClr val="tx1"/>
+                  </a:solidFill>
+                </a:ln>
+                <a:solidFill>
+                  <a:schemeClr val="bg1"/>
+                </a:solidFill>
+                <a:effectLst>
+                  <a:outerShdw blurRad="50800" dist="38100" dir="2700000">
+                    <a:srgbClr val="000000">
+                      <a:alpha val="43000"/>
+                    </a:srgbClr>
+                  </a:outerShdw>
+                </a:effectLst>
+              </a:rPr>
+              <a:t> S.</a:t>
+            </a:r>
+            <a:r>
+              <a:rPr lang="en-US" sz="6600" i="1" dirty="0" smtClean="0">
+                <a:ln w="9525" cmpd="sng">
+                  <a:solidFill>
+                    <a:schemeClr val="tx1"/>
+                  </a:solidFill>
+                </a:ln>
+                <a:solidFill>
+                  <a:schemeClr val="bg1"/>
+                </a:solidFill>
+                <a:effectLst>
+                  <a:outerShdw blurRad="50800" dist="38100" dir="2700000">
+                    <a:srgbClr val="000000">
+                      <a:alpha val="43000"/>
+                    </a:srgbClr>
+                  </a:outerShdw>
+                </a:effectLst>
+              </a:rPr>
+              <a:t/>
+            </a:r>
+            <a:br>
+              <a:rPr lang="en-US" sz="6600" i="1" dirty="0" smtClean="0">
+                <a:ln w="9525" cmpd="sng">
+                  <a:solidFill>
+                    <a:schemeClr val="tx1"/>
+                  </a:solidFill>
+                </a:ln>
+                <a:solidFill>
+                  <a:schemeClr val="bg1"/>
+                </a:solidFill>
+                <a:effectLst>
+                  <a:outerShdw blurRad="50800" dist="38100" dir="2700000">
+                    <a:srgbClr val="000000">
+                      <a:alpha val="43000"/>
+                    </a:srgbClr>
+                  </a:outerShdw>
+                </a:effectLst>
+              </a:rPr>
+            </a:br>
+            <a:r>
+              <a:rPr lang="en-US" sz="6600" i="1" dirty="0" smtClean="0">
+                <a:ln w="9525" cmpd="sng">
+                  <a:solidFill>
+                    <a:schemeClr val="tx1"/>
+                  </a:solidFill>
+                </a:ln>
+                <a:solidFill>
+                  <a:schemeClr val="bg1"/>
+                </a:solidFill>
+                <a:effectLst>
+                  <a:outerShdw blurRad="50800" dist="38100" dir="2700000">
+                    <a:srgbClr val="000000">
+                      <a:alpha val="43000"/>
+                    </a:srgbClr>
+                  </a:outerShdw>
+                </a:effectLst>
+              </a:rPr>
+              <a:t>EECS 349, </a:t>
+            </a:r>
+            <a:r>
+              <a:rPr lang="en-US" sz="6600" i="1" dirty="0" err="1" smtClean="0">
+                <a:ln w="9525" cmpd="sng">
+                  <a:solidFill>
+                    <a:schemeClr val="tx1"/>
+                  </a:solidFill>
+                </a:ln>
+                <a:solidFill>
+                  <a:schemeClr val="bg1"/>
+                </a:solidFill>
+                <a:effectLst>
+                  <a:outerShdw blurRad="50800" dist="38100" dir="2700000">
+                    <a:srgbClr val="000000">
+                      <a:alpha val="43000"/>
+                    </a:srgbClr>
+                  </a:outerShdw>
+                </a:effectLst>
+              </a:rPr>
+              <a:t>Pardo</a:t>
+            </a:r>
+            <a:r>
+              <a:rPr lang="en-US" sz="6600" i="1" dirty="0" smtClean="0">
+                <a:ln w="9525" cmpd="sng">
+                  <a:solidFill>
+                    <a:schemeClr val="tx1"/>
+                  </a:solidFill>
+                </a:ln>
+                <a:solidFill>
+                  <a:schemeClr val="bg1"/>
+                </a:solidFill>
+                <a:effectLst>
+                  <a:outerShdw blurRad="50800" dist="38100" dir="2700000">
+                    <a:srgbClr val="000000">
+                      <a:alpha val="43000"/>
+                    </a:srgbClr>
+                  </a:outerShdw>
+                </a:effectLst>
+              </a:rPr>
+              <a:t>, B., </a:t>
+            </a:r>
+            <a:r>
+              <a:rPr lang="en-US" sz="6600" i="1" dirty="0" smtClean="0">
+                <a:ln w="9525" cmpd="sng">
+                  <a:solidFill>
+                    <a:schemeClr val="tx1"/>
+                  </a:solidFill>
+                </a:ln>
+                <a:solidFill>
+                  <a:schemeClr val="bg1"/>
+                </a:solidFill>
+                <a:effectLst>
+                  <a:outerShdw blurRad="50800" dist="38100" dir="2700000">
+                    <a:srgbClr val="000000">
+                      <a:alpha val="43000"/>
+                    </a:srgbClr>
+                  </a:outerShdw>
+                </a:effectLst>
+              </a:rPr>
+              <a:t>Northwestern University</a:t>
+            </a:r>
+            <a:endParaRPr lang="en-US" sz="6600" i="1" dirty="0" smtClean="0">
+              <a:ln w="9525" cmpd="sng">
+                <a:solidFill>
+                  <a:schemeClr val="tx1"/>
+                </a:solidFill>
+              </a:ln>
+              <a:solidFill>
+                <a:schemeClr val="bg1"/>
+              </a:solidFill>
+              <a:effectLst>
+                <a:outerShdw blurRad="50800" dist="38100" dir="2700000">
+                  <a:srgbClr val="000000">
+                    <a:alpha val="43000"/>
+                  </a:srgbClr>
+                </a:outerShdw>
+              </a:effectLst>
+            </a:endParaRPr>
+          </a:p>
+        </p:txBody>
+      </p:sp>
       <p:sp>
         <p:nvSpPr>
           <p:cNvPr id="2067" name="Rectangle 19"/>
@@ -4228,7 +4208,7 @@
         </p:nvSpPr>
         <p:spPr bwMode="auto">
           <a:xfrm>
-            <a:off x="16665575" y="7467600"/>
+            <a:off x="16665575" y="5867400"/>
             <a:ext cx="15630525" cy="1371600"/>
           </a:xfrm>
           <a:prstGeom prst="rect">
@@ -4284,7 +4264,7 @@
         </p:nvSpPr>
         <p:spPr bwMode="auto">
           <a:xfrm>
-            <a:off x="33054925" y="7467600"/>
+            <a:off x="33054925" y="5867400"/>
             <a:ext cx="15630525" cy="1371600"/>
           </a:xfrm>
           <a:prstGeom prst="rect">
@@ -4344,7 +4324,7 @@
         </p:nvSpPr>
         <p:spPr bwMode="auto">
           <a:xfrm>
-            <a:off x="822325" y="16681450"/>
+            <a:off x="822325" y="15081250"/>
             <a:ext cx="14951075" cy="1573213"/>
           </a:xfrm>
           <a:prstGeom prst="rect">
@@ -4492,7 +4472,7 @@
         </p:nvSpPr>
         <p:spPr bwMode="auto">
           <a:xfrm>
-            <a:off x="685800" y="16529050"/>
+            <a:off x="685800" y="14928850"/>
             <a:ext cx="15498763" cy="1573213"/>
           </a:xfrm>
           <a:prstGeom prst="rect">
@@ -4640,7 +4620,7 @@
         </p:nvSpPr>
         <p:spPr bwMode="auto">
           <a:xfrm>
-            <a:off x="549275" y="14935200"/>
+            <a:off x="549275" y="12573000"/>
             <a:ext cx="15630525" cy="1371600"/>
           </a:xfrm>
           <a:prstGeom prst="rect">
@@ -4696,7 +4676,7 @@
         </p:nvSpPr>
         <p:spPr bwMode="auto">
           <a:xfrm>
-            <a:off x="33054925" y="24155400"/>
+            <a:off x="33054925" y="22555200"/>
             <a:ext cx="15630525" cy="1371600"/>
           </a:xfrm>
           <a:prstGeom prst="rect">
@@ -4752,7 +4732,7 @@
         </p:nvSpPr>
         <p:spPr bwMode="auto">
           <a:xfrm>
-            <a:off x="16687800" y="15011400"/>
+            <a:off x="16687800" y="12573000"/>
             <a:ext cx="15630525" cy="1371600"/>
           </a:xfrm>
           <a:prstGeom prst="rect">
@@ -4808,7 +4788,7 @@
         </p:nvSpPr>
         <p:spPr bwMode="auto">
           <a:xfrm>
-            <a:off x="822325" y="16611600"/>
+            <a:off x="822325" y="14128425"/>
             <a:ext cx="15087600" cy="4235775"/>
           </a:xfrm>
           <a:prstGeom prst="rect">
@@ -4959,7 +4939,7 @@
         </p:nvSpPr>
         <p:spPr bwMode="auto">
           <a:xfrm>
-            <a:off x="16870363" y="9296400"/>
+            <a:off x="16870363" y="7696200"/>
             <a:ext cx="15225712" cy="2286000"/>
           </a:xfrm>
           <a:prstGeom prst="rect">
@@ -5092,7 +5072,15 @@
           <a:p>
             <a:r>
               <a:rPr lang="en-US" sz="4400" dirty="0" smtClean="0"/>
-              <a:t>Our primary areas of feature extraction were lyrics and a diverse range of audio features. We scraped lyrics online and implemented a variety of heuristics to gauge their efficacy in classification. For Audio, we used feature extraction and machine learning software to pinpoint telling features, and combined them to optimize outcome.</a:t>
+              <a:t>Our primary areas of feature extraction were lyrics and a diverse range of audio features. We scraped lyrics online and implemented a</a:t>
+            </a:r>
+            <a:r>
+              <a:rPr lang="en-US" sz="4400" dirty="0" smtClean="0"/>
+              <a:t> variety of techniques to </a:t>
+            </a:r>
+            <a:r>
+              <a:rPr lang="en-US" sz="4400" dirty="0" smtClean="0"/>
+              <a:t>gauge their efficacy in classification. For Audio, we used feature extraction and machine learning software to pinpoint telling features, and combined them to optimize outcome.</a:t>
             </a:r>
             <a:endParaRPr lang="en-US" sz="4400" dirty="0"/>
           </a:p>
@@ -5108,7 +5096,7 @@
         </p:nvSpPr>
         <p:spPr bwMode="auto">
           <a:xfrm>
-            <a:off x="33193038" y="9296400"/>
+            <a:off x="33193038" y="7696200"/>
             <a:ext cx="15362237" cy="6267100"/>
           </a:xfrm>
           <a:prstGeom prst="rect">
@@ -5311,7 +5299,7 @@
         </p:nvSpPr>
         <p:spPr bwMode="auto">
           <a:xfrm>
-            <a:off x="777875" y="9296400"/>
+            <a:off x="777875" y="7696200"/>
             <a:ext cx="15224125" cy="2286000"/>
           </a:xfrm>
           <a:prstGeom prst="rect">
@@ -5472,7 +5460,7 @@
         </p:nvSpPr>
         <p:spPr bwMode="auto">
           <a:xfrm>
-            <a:off x="685800" y="22326600"/>
+            <a:off x="685800" y="18592800"/>
             <a:ext cx="15630525" cy="1371600"/>
           </a:xfrm>
           <a:prstGeom prst="rect">
@@ -5526,7 +5514,7 @@
         </p:nvSpPr>
         <p:spPr>
           <a:xfrm>
-            <a:off x="838200" y="24231600"/>
+            <a:off x="838200" y="20116800"/>
             <a:ext cx="15468600" cy="7540525"/>
           </a:xfrm>
           <a:prstGeom prst="rect">
@@ -5582,7 +5570,7 @@
         </p:nvSpPr>
         <p:spPr>
           <a:xfrm>
-            <a:off x="16992600" y="16611600"/>
+            <a:off x="16992600" y="14226600"/>
             <a:ext cx="14859000" cy="5509200"/>
           </a:xfrm>
           <a:prstGeom prst="rect">
@@ -5642,7 +5630,23 @@
             </a:r>
             <a:r>
               <a:rPr lang="en-US" sz="4400" dirty="0" smtClean="0"/>
-              <a:t>. The feature we used in our analysis are</a:t>
+              <a:t>. The </a:t>
+            </a:r>
+            <a:r>
+              <a:rPr lang="en-US" sz="4400" dirty="0" smtClean="0"/>
+              <a:t>features </a:t>
+            </a:r>
+            <a:r>
+              <a:rPr lang="en-US" sz="4400" dirty="0" smtClean="0"/>
+              <a:t>we</a:t>
+            </a:r>
+            <a:r>
+              <a:rPr lang="en-US" sz="4400" dirty="0" smtClean="0"/>
+              <a:t> ultimately used </a:t>
+            </a:r>
+            <a:r>
+              <a:rPr lang="en-US" sz="4400" dirty="0" smtClean="0"/>
+              <a:t>in our analysis are</a:t>
             </a:r>
             <a:r>
               <a:rPr lang="en-US" sz="4400" dirty="0" smtClean="0"/>
@@ -5668,8 +5672,8 @@
         </p:nvSpPr>
         <p:spPr bwMode="auto">
           <a:xfrm>
-            <a:off x="33223200" y="25755600"/>
-            <a:ext cx="15362237" cy="6267100"/>
+            <a:off x="33223200" y="24155400"/>
+            <a:ext cx="15362237" cy="6944208"/>
           </a:xfrm>
           <a:prstGeom prst="rect">
             <a:avLst/>
@@ -5803,7 +5807,23 @@
           <a:p>
             <a:r>
               <a:rPr lang="en-US" sz="4400" dirty="0" smtClean="0"/>
-              <a:t>We found Audio Features to be far more accurate than lyrics, and boosted exclusively on those features. With our combined extraction features, we outperformed previous standards by small margins. Ultimately, Genre Classification appears to be semi-reliable, but has much room for improvement, particularly were it to be effective in a real world situation. Improved heuristics on lyrical analysis, combined with more sophisticated audio features, could prove useful in future analyses.</a:t>
+              <a:t>We found Audio Features to be far more accurate than lyrics, and boosted exclusively on those features. With our</a:t>
+            </a:r>
+            <a:r>
+              <a:rPr lang="en-US" sz="4400" dirty="0" smtClean="0"/>
+              <a:t> optimization of extraction </a:t>
+            </a:r>
+            <a:r>
+              <a:rPr lang="en-US" sz="4400" dirty="0" smtClean="0"/>
+              <a:t>features, we outperformed previous standards by small margins. Ultimately, Genre Classification appears to be semi-reliable, but has much room for improvement, particularly were it to be effective in a real world </a:t>
+            </a:r>
+            <a:r>
+              <a:rPr lang="en-US" sz="4400" dirty="0" smtClean="0"/>
+              <a:t>situation. Lyrical analysis with refined heuristics and substantially more data, </a:t>
+            </a:r>
+            <a:r>
+              <a:rPr lang="en-US" sz="4400" dirty="0" smtClean="0"/>
+              <a:t>combined with more sophisticated audio features, could prove useful in future analyses.</a:t>
             </a:r>
             <a:endParaRPr lang="en-US" sz="4400" dirty="0"/>
           </a:p>
@@ -5817,7 +5837,7 @@
         </p:nvSpPr>
         <p:spPr>
           <a:xfrm>
-            <a:off x="17602200" y="20878800"/>
+            <a:off x="17602200" y="18907542"/>
             <a:ext cx="13639800" cy="2123658"/>
           </a:xfrm>
           <a:prstGeom prst="rect">
@@ -5909,12 +5929,168 @@
         </p:blipFill>
         <p:spPr>
           <a:xfrm>
-            <a:off x="17068800" y="23012400"/>
-            <a:ext cx="14478000" cy="9372600"/>
+            <a:off x="16535400" y="21640800"/>
+            <a:ext cx="16015855" cy="10363200"/>
           </a:xfrm>
           <a:prstGeom prst="rect">
             <a:avLst/>
           </a:prstGeom>
+        </p:spPr>
+      </p:pic>
+      <p:pic>
+        <p:nvPicPr>
+          <p:cNvPr id="28" name="Picture 27" descr="db@2x.png"/>
+          <p:cNvPicPr>
+            <a:picLocks noChangeAspect="1"/>
+          </p:cNvPicPr>
+          <p:nvPr/>
+        </p:nvPicPr>
+        <p:blipFill>
+          <a:blip r:embed="rId4"/>
+          <a:stretch>
+            <a:fillRect/>
+          </a:stretch>
+        </p:blipFill>
+        <p:spPr>
+          <a:xfrm>
+            <a:off x="2438400" y="27127200"/>
+            <a:ext cx="11658600" cy="5486400"/>
+          </a:xfrm>
+          <a:prstGeom prst="rect">
+            <a:avLst/>
+          </a:prstGeom>
+        </p:spPr>
+      </p:pic>
+      <p:pic>
+        <p:nvPicPr>
+          <p:cNvPr id="14338" name="Picture 2"/>
+          <p:cNvPicPr>
+            <a:picLocks noChangeAspect="1" noChangeArrowheads="1"/>
+          </p:cNvPicPr>
+          <p:nvPr/>
+        </p:nvPicPr>
+        <p:blipFill>
+          <a:blip r:embed="rId5"/>
+          <a:srcRect/>
+          <a:stretch>
+            <a:fillRect/>
+          </a:stretch>
+        </p:blipFill>
+        <p:spPr bwMode="auto">
+          <a:xfrm>
+            <a:off x="32994600" y="13865940"/>
+            <a:ext cx="7543800" cy="5310712"/>
+          </a:xfrm>
+          <a:prstGeom prst="rect">
+            <a:avLst/>
+          </a:prstGeom>
+          <a:noFill/>
+          <a:ln w="9525">
+            <a:noFill/>
+            <a:miter lim="800000"/>
+            <a:headEnd/>
+            <a:tailEnd/>
+          </a:ln>
+          <a:effectLst/>
+        </p:spPr>
+      </p:pic>
+      <p:pic>
+        <p:nvPicPr>
+          <p:cNvPr id="14339" name="Picture 3"/>
+          <p:cNvPicPr>
+            <a:picLocks noChangeAspect="1" noChangeArrowheads="1"/>
+          </p:cNvPicPr>
+          <p:nvPr/>
+        </p:nvPicPr>
+        <p:blipFill>
+          <a:blip r:embed="rId6"/>
+          <a:srcRect/>
+          <a:stretch>
+            <a:fillRect/>
+          </a:stretch>
+        </p:blipFill>
+        <p:spPr bwMode="auto">
+          <a:xfrm>
+            <a:off x="32989519" y="19431000"/>
+            <a:ext cx="7548881" cy="2438400"/>
+          </a:xfrm>
+          <a:prstGeom prst="rect">
+            <a:avLst/>
+          </a:prstGeom>
+          <a:noFill/>
+          <a:ln w="9525">
+            <a:noFill/>
+            <a:miter lim="800000"/>
+            <a:headEnd/>
+            <a:tailEnd/>
+          </a:ln>
+          <a:effectLst/>
+        </p:spPr>
+      </p:pic>
+      <p:pic>
+        <p:nvPicPr>
+          <p:cNvPr id="14340" name="Picture 4"/>
+          <p:cNvPicPr>
+            <a:picLocks noChangeAspect="1" noChangeArrowheads="1"/>
+          </p:cNvPicPr>
+          <p:nvPr/>
+        </p:nvPicPr>
+        <p:blipFill>
+          <a:blip r:embed="rId7"/>
+          <a:srcRect/>
+          <a:stretch>
+            <a:fillRect/>
+          </a:stretch>
+        </p:blipFill>
+        <p:spPr bwMode="auto">
+          <a:xfrm>
+            <a:off x="41071800" y="13868400"/>
+            <a:ext cx="7543800" cy="5310711"/>
+          </a:xfrm>
+          <a:prstGeom prst="rect">
+            <a:avLst/>
+          </a:prstGeom>
+          <a:noFill/>
+          <a:ln w="9525">
+            <a:noFill/>
+            <a:miter lim="800000"/>
+            <a:headEnd/>
+            <a:tailEnd/>
+          </a:ln>
+          <a:effectLst/>
+        </p:spPr>
+      </p:pic>
+      <p:pic>
+        <p:nvPicPr>
+          <p:cNvPr id="14341" name="Picture 5"/>
+          <p:cNvPicPr>
+            <a:picLocks noChangeAspect="1" noChangeArrowheads="1"/>
+          </p:cNvPicPr>
+          <p:nvPr/>
+        </p:nvPicPr>
+        <p:blipFill>
+          <a:blip r:embed="rId8"/>
+          <a:srcRect/>
+          <a:stretch>
+            <a:fillRect/>
+          </a:stretch>
+        </p:blipFill>
+        <p:spPr bwMode="auto">
+          <a:xfrm>
+            <a:off x="41071800" y="19431000"/>
+            <a:ext cx="7543800" cy="2438400"/>
+          </a:xfrm>
+          <a:prstGeom prst="rect">
+            <a:avLst/>
+          </a:prstGeom>
+          <a:noFill/>
+          <a:ln w="9525">
+            <a:noFill/>
+            <a:miter lim="800000"/>
+            <a:headEnd/>
+            <a:tailEnd/>
+          </a:ln>
+          <a:effectLst/>
         </p:spPr>
       </p:pic>
     </p:spTree>
